--- a/project_01/Docs/ENGI301_project_01_proposal.pptx
+++ b/project_01/Docs/ENGI301_project_01_proposal.pptx
@@ -5,10 +5,10 @@
     <p:sldMasterId id="2147483648" r:id="rId1"/>
   </p:sldMasterIdLst>
   <p:notesMasterIdLst>
-    <p:notesMasterId r:id="rId8"/>
+    <p:notesMasterId r:id="rId7"/>
   </p:notesMasterIdLst>
   <p:handoutMasterIdLst>
-    <p:handoutMasterId r:id="rId9"/>
+    <p:handoutMasterId r:id="rId8"/>
   </p:handoutMasterIdLst>
   <p:sldIdLst>
     <p:sldId id="261" r:id="rId2"/>
@@ -16,7 +16,6 @@
     <p:sldId id="368" r:id="rId4"/>
     <p:sldId id="370" r:id="rId5"/>
     <p:sldId id="369" r:id="rId6"/>
-    <p:sldId id="371" r:id="rId7"/>
   </p:sldIdLst>
   <p:sldSz cx="12192000" cy="6858000"/>
   <p:notesSz cx="6858000" cy="9144000"/>
@@ -219,7 +218,7 @@
           <a:p>
             <a:fld id="{59041DB8-B66F-4DC8-A96E-33677E0F90FF}" type="datetimeFigureOut">
               <a:rPr lang="en-US" smtClean="0"/>
-              <a:t>2/18/2024</a:t>
+              <a:t>2/23/2024</a:t>
             </a:fld>
             <a:endParaRPr lang="en-US"/>
           </a:p>
@@ -384,7 +383,7 @@
           <a:p>
             <a:fld id="{DEB49C4A-65AC-492D-9701-81B46C3AD0E4}" type="datetimeFigureOut">
               <a:rPr lang="en-US" smtClean="0"/>
-              <a:t>2/18/2024</a:t>
+              <a:t>2/23/2024</a:t>
             </a:fld>
             <a:endParaRPr lang="en-US"/>
           </a:p>
@@ -2879,7 +2878,7 @@
           <a:p>
             <a:fld id="{384A29A4-78C8-47AB-BA06-22CB45938951}" type="datetime1">
               <a:rPr lang="en-US" smtClean="0"/>
-              <a:t>2/18/2024</a:t>
+              <a:t>2/23/2024</a:t>
             </a:fld>
             <a:endParaRPr lang="en-US"/>
           </a:p>
@@ -3074,7 +3073,7 @@
           <a:p>
             <a:fld id="{E1ED4ACF-2D82-46F2-A8E9-23963AA34E86}" type="datetime1">
               <a:rPr lang="en-US" smtClean="0"/>
-              <a:t>2/18/2024</a:t>
+              <a:t>2/23/2024</a:t>
             </a:fld>
             <a:endParaRPr lang="en-US"/>
           </a:p>
@@ -3268,7 +3267,7 @@
           <a:p>
             <a:fld id="{AE374B5B-21A0-4192-BF4C-38187F1A68D8}" type="datetime1">
               <a:rPr lang="en-US" smtClean="0"/>
-              <a:t>2/18/2024</a:t>
+              <a:t>2/23/2024</a:t>
             </a:fld>
             <a:endParaRPr lang="en-US"/>
           </a:p>
@@ -5609,7 +5608,7 @@
           <a:p>
             <a:fld id="{33B5CF7C-B333-48E1-A4A6-83A3C8B73AC0}" type="datetime1">
               <a:rPr lang="en-US" smtClean="0"/>
-              <a:t>2/18/2024</a:t>
+              <a:t>2/23/2024</a:t>
             </a:fld>
             <a:endParaRPr lang="en-US"/>
           </a:p>
@@ -6062,7 +6061,7 @@
           <a:p>
             <a:fld id="{AE320762-5CBF-4210-AB54-376B091119F8}" type="datetime1">
               <a:rPr lang="en-US" smtClean="0"/>
-              <a:t>2/18/2024</a:t>
+              <a:t>2/23/2024</a:t>
             </a:fld>
             <a:endParaRPr lang="en-US"/>
           </a:p>
@@ -6194,7 +6193,7 @@
           <a:p>
             <a:fld id="{7F0DB371-BF5F-4058-A212-1A908E4D2674}" type="datetime1">
               <a:rPr lang="en-US" smtClean="0"/>
-              <a:t>2/18/2024</a:t>
+              <a:t>2/23/2024</a:t>
             </a:fld>
             <a:endParaRPr lang="en-US"/>
           </a:p>
@@ -8127,7 +8126,7 @@
           <a:p>
             <a:fld id="{60A4083B-90AA-48CF-BAD5-00AA24D7F288}" type="datetime1">
               <a:rPr lang="en-US" smtClean="0"/>
-              <a:t>2/18/2024</a:t>
+              <a:t>2/23/2024</a:t>
             </a:fld>
             <a:endParaRPr lang="en-US"/>
           </a:p>
@@ -10386,7 +10385,7 @@
             <a:fld id="{F5BAF629-ECA2-4CF3-B790-9D9BDED98269}" type="datetime1">
               <a:rPr lang="en-US" smtClean="0"/>
               <a:pPr/>
-              <a:t>2/18/2024</a:t>
+              <a:t>2/23/2024</a:t>
             </a:fld>
             <a:endParaRPr lang="en-US"/>
           </a:p>
@@ -14681,7 +14680,7 @@
             <a:fld id="{B51B2453-8663-4C69-AF73-9FD7B1DEC5D0}" type="datetime1">
               <a:rPr lang="en-US" smtClean="0"/>
               <a:pPr/>
-              <a:t>2/18/2024</a:t>
+              <a:t>2/23/2024</a:t>
             </a:fld>
             <a:endParaRPr lang="en-US" dirty="0"/>
           </a:p>
@@ -15485,10 +15484,10 @@
       </p:grpSpPr>
       <p:pic>
         <p:nvPicPr>
-          <p:cNvPr id="8" name="Picture 7">
+          <p:cNvPr id="5" name="Picture 4" descr="A diagram of a diagram&#10;&#10;Description automatically generated">
             <a:extLst>
               <a:ext uri="{FF2B5EF4-FFF2-40B4-BE49-F238E27FC236}">
-                <a16:creationId xmlns:a16="http://schemas.microsoft.com/office/drawing/2014/main" id="{82153A49-609F-8DD0-76A7-9C86BEC4BD31}"/>
+                <a16:creationId xmlns:a16="http://schemas.microsoft.com/office/drawing/2014/main" id="{865058A8-CC8C-30D1-3B93-E07AECF74247}"/>
               </a:ext>
             </a:extLst>
           </p:cNvPr>
@@ -15497,16 +15496,15 @@
           </p:cNvPicPr>
           <p:nvPr/>
         </p:nvPicPr>
-        <p:blipFill>
+        <p:blipFill rotWithShape="1">
           <a:blip r:embed="rId2"/>
-          <a:stretch>
-            <a:fillRect/>
-          </a:stretch>
+          <a:srcRect l="4031" t="10390" r="2865" b="3831"/>
+          <a:stretch/>
         </p:blipFill>
         <p:spPr>
           <a:xfrm>
-            <a:off x="1181100" y="457200"/>
-            <a:ext cx="9613979" cy="5677399"/>
+            <a:off x="1295400" y="723900"/>
+            <a:ext cx="9220201" cy="5233501"/>
           </a:xfrm>
           <a:prstGeom prst="rect">
             <a:avLst/>
@@ -15626,10 +15624,10 @@
       </p:grpSpPr>
       <p:pic>
         <p:nvPicPr>
-          <p:cNvPr id="8" name="Picture 7">
+          <p:cNvPr id="4" name="Picture 3" descr="A diagram of a device&#10;&#10;Description automatically generated">
             <a:extLst>
               <a:ext uri="{FF2B5EF4-FFF2-40B4-BE49-F238E27FC236}">
-                <a16:creationId xmlns:a16="http://schemas.microsoft.com/office/drawing/2014/main" id="{E32630D9-C225-CC9A-C28B-049B47D004BF}"/>
+                <a16:creationId xmlns:a16="http://schemas.microsoft.com/office/drawing/2014/main" id="{05A4BBF8-A6FD-7BAB-5D45-88572DFD6CEC}"/>
               </a:ext>
             </a:extLst>
           </p:cNvPr>
@@ -15638,16 +15636,15 @@
           </p:cNvPicPr>
           <p:nvPr/>
         </p:nvPicPr>
-        <p:blipFill>
+        <p:blipFill rotWithShape="1">
           <a:blip r:embed="rId2"/>
-          <a:stretch>
-            <a:fillRect/>
-          </a:stretch>
+          <a:srcRect l="2765" t="12165" b="3672"/>
+          <a:stretch/>
         </p:blipFill>
         <p:spPr>
           <a:xfrm>
-            <a:off x="1219200" y="495300"/>
-            <a:ext cx="9029700" cy="5633014"/>
+            <a:off x="2324100" y="1148367"/>
+            <a:ext cx="7105918" cy="4886503"/>
           </a:xfrm>
           <a:prstGeom prst="rect">
             <a:avLst/>
@@ -15806,14 +15803,14 @@
             <p:ph idx="1"/>
             <p:extLst>
               <p:ext uri="{D42A27DB-BD31-4B8C-83A1-F6EECF244321}">
-                <p14:modId xmlns:p14="http://schemas.microsoft.com/office/powerpoint/2010/main" val="1170768682"/>
+                <p14:modId xmlns:p14="http://schemas.microsoft.com/office/powerpoint/2010/main" val="781607015"/>
               </p:ext>
             </p:extLst>
           </p:nvPr>
         </p:nvGraphicFramePr>
         <p:xfrm>
           <a:off x="609600" y="1295401"/>
-          <a:ext cx="10972800" cy="4074430"/>
+          <a:ext cx="10972800" cy="4454294"/>
         </p:xfrm>
         <a:graphic>
           <a:graphicData uri="http://schemas.openxmlformats.org/drawingml/2006/table">
@@ -15907,7 +15904,7 @@
                     <a:p>
                       <a:r>
                         <a:rPr lang="en-US" dirty="0"/>
-                        <a:t>Character Display (16x2) (https://www.adafruit.com/product/181)</a:t>
+                        <a:t>SPI Screen (https://www.adafruit.com/product/1770)</a:t>
                       </a:r>
                     </a:p>
                   </a:txBody>
@@ -15933,7 +15930,7 @@
                     <a:p>
                       <a:r>
                         <a:rPr lang="en-US" dirty="0"/>
-                        <a:t>$9.95</a:t>
+                        <a:t>$29.95</a:t>
                       </a:r>
                     </a:p>
                   </a:txBody>
@@ -16325,6 +16322,69 @@
                     <a:lstStyle/>
                     <a:p>
                       <a:r>
+                        <a:rPr lang="en-US" dirty="0"/>
+                        <a:t>2 Potentiometers</a:t>
+                      </a:r>
+                    </a:p>
+                  </a:txBody>
+                  <a:tcPr/>
+                </a:tc>
+                <a:tc>
+                  <a:txBody>
+                    <a:bodyPr/>
+                    <a:lstStyle/>
+                    <a:p>
+                      <a:r>
+                        <a:rPr lang="en-US" dirty="0"/>
+                        <a:t>No</a:t>
+                      </a:r>
+                    </a:p>
+                  </a:txBody>
+                  <a:tcPr/>
+                </a:tc>
+                <a:tc>
+                  <a:txBody>
+                    <a:bodyPr/>
+                    <a:lstStyle/>
+                    <a:p>
+                      <a:pPr marL="0" marR="0" lvl="0" indent="0" algn="l" defTabSz="914400" rtl="0" eaLnBrk="1" fontAlgn="auto" latinLnBrk="0" hangingPunct="1">
+                        <a:lnSpc>
+                          <a:spcPct val="100000"/>
+                        </a:lnSpc>
+                        <a:spcBef>
+                          <a:spcPts val="0"/>
+                        </a:spcBef>
+                        <a:spcAft>
+                          <a:spcPts val="0"/>
+                        </a:spcAft>
+                        <a:buClrTx/>
+                        <a:buSzTx/>
+                        <a:buFontTx/>
+                        <a:buNone/>
+                        <a:tabLst/>
+                        <a:defRPr/>
+                      </a:pPr>
+                      <a:r>
+                        <a:rPr lang="en-US" dirty="0"/>
+                        <a:t>N/A</a:t>
+                      </a:r>
+                    </a:p>
+                  </a:txBody>
+                  <a:tcPr/>
+                </a:tc>
+                <a:extLst>
+                  <a:ext uri="{0D108BD9-81ED-4DB2-BD59-A6C34878D82A}">
+                    <a16:rowId xmlns:a16="http://schemas.microsoft.com/office/drawing/2014/main" val="3313585077"/>
+                  </a:ext>
+                </a:extLst>
+              </a:tr>
+              <a:tr h="379864">
+                <a:tc>
+                  <a:txBody>
+                    <a:bodyPr/>
+                    <a:lstStyle/>
+                    <a:p>
+                      <a:r>
                         <a:rPr lang="en-US" b="1" dirty="0"/>
                         <a:t>TOTAL</a:t>
                       </a:r>
@@ -16349,7 +16409,7 @@
                     <a:p>
                       <a:r>
                         <a:rPr lang="en-US" b="1" dirty="0"/>
-                        <a:t>$22.18</a:t>
+                        <a:t>$42.18</a:t>
                       </a:r>
                     </a:p>
                   </a:txBody>
@@ -16369,252 +16429,6 @@
     <p:extLst>
       <p:ext uri="{BB962C8B-B14F-4D97-AF65-F5344CB8AC3E}">
         <p14:creationId xmlns:p14="http://schemas.microsoft.com/office/powerpoint/2010/main" val="1131248096"/>
-      </p:ext>
-    </p:extLst>
-  </p:cSld>
-  <p:clrMapOvr>
-    <a:masterClrMapping/>
-  </p:clrMapOvr>
-  <mc:AlternateContent xmlns:mc="http://schemas.openxmlformats.org/markup-compatibility/2006" xmlns:p14="http://schemas.microsoft.com/office/powerpoint/2010/main">
-    <mc:Choice Requires="p14">
-      <p:transition spd="med" p14:dur="700">
-        <p:fade/>
-      </p:transition>
-    </mc:Choice>
-    <mc:Fallback xmlns="">
-      <p:transition spd="med">
-        <p:fade/>
-      </p:transition>
-    </mc:Fallback>
-  </mc:AlternateContent>
-</p:sld>
-</file>
-
-<file path=ppt/slides/slide6.xml><?xml version="1.0" encoding="utf-8"?>
-<p:sld xmlns:a="http://schemas.openxmlformats.org/drawingml/2006/main" xmlns:r="http://schemas.openxmlformats.org/officeDocument/2006/relationships" xmlns:p="http://schemas.openxmlformats.org/presentationml/2006/main">
-  <p:cSld>
-    <p:spTree>
-      <p:nvGrpSpPr>
-        <p:cNvPr id="1" name=""/>
-        <p:cNvGrpSpPr/>
-        <p:nvPr/>
-      </p:nvGrpSpPr>
-      <p:grpSpPr>
-        <a:xfrm>
-          <a:off x="0" y="0"/>
-          <a:ext cx="0" cy="0"/>
-          <a:chOff x="0" y="0"/>
-          <a:chExt cx="0" cy="0"/>
-        </a:xfrm>
-      </p:grpSpPr>
-      <p:sp>
-        <p:nvSpPr>
-          <p:cNvPr id="2" name="Title 1">
-            <a:extLst>
-              <a:ext uri="{FF2B5EF4-FFF2-40B4-BE49-F238E27FC236}">
-                <a16:creationId xmlns:a16="http://schemas.microsoft.com/office/drawing/2014/main" id="{ACCD53B4-427E-EA03-96F0-1205BE858625}"/>
-              </a:ext>
-            </a:extLst>
-          </p:cNvPr>
-          <p:cNvSpPr>
-            <a:spLocks noGrp="1"/>
-          </p:cNvSpPr>
-          <p:nvPr>
-            <p:ph type="title"/>
-          </p:nvPr>
-        </p:nvSpPr>
-        <p:spPr/>
-        <p:txBody>
-          <a:bodyPr/>
-          <a:lstStyle/>
-          <a:p>
-            <a:r>
-              <a:rPr lang="en-US" dirty="0"/>
-              <a:t>Component Selection (Remove slide for submission)</a:t>
-            </a:r>
-          </a:p>
-        </p:txBody>
-      </p:sp>
-      <p:sp>
-        <p:nvSpPr>
-          <p:cNvPr id="3" name="Content Placeholder 2">
-            <a:extLst>
-              <a:ext uri="{FF2B5EF4-FFF2-40B4-BE49-F238E27FC236}">
-                <a16:creationId xmlns:a16="http://schemas.microsoft.com/office/drawing/2014/main" id="{B543A702-BE4B-FD4F-F718-52B4ADE0FE88}"/>
-              </a:ext>
-            </a:extLst>
-          </p:cNvPr>
-          <p:cNvSpPr>
-            <a:spLocks noGrp="1"/>
-          </p:cNvSpPr>
-          <p:nvPr>
-            <p:ph idx="1"/>
-          </p:nvPr>
-        </p:nvSpPr>
-        <p:spPr/>
-        <p:txBody>
-          <a:bodyPr/>
-          <a:lstStyle/>
-          <a:p>
-            <a:r>
-              <a:rPr lang="en-US" dirty="0"/>
-              <a:t>All components must be from either:  </a:t>
-            </a:r>
-            <a:r>
-              <a:rPr lang="en-US" dirty="0">
-                <a:hlinkClick r:id="rId2"/>
-              </a:rPr>
-              <a:t>Amazon</a:t>
-            </a:r>
-            <a:r>
-              <a:rPr lang="en-US" dirty="0"/>
-              <a:t>, </a:t>
-            </a:r>
-            <a:r>
-              <a:rPr lang="en-US" dirty="0">
-                <a:hlinkClick r:id="rId3"/>
-              </a:rPr>
-              <a:t>Adafruit</a:t>
-            </a:r>
-            <a:r>
-              <a:rPr lang="en-US" dirty="0"/>
-              <a:t>, </a:t>
-            </a:r>
-            <a:r>
-              <a:rPr lang="en-US" dirty="0">
-                <a:hlinkClick r:id="rId4"/>
-              </a:rPr>
-              <a:t>Sparkfun</a:t>
-            </a:r>
-            <a:r>
-              <a:rPr lang="en-US" dirty="0"/>
-              <a:t>, </a:t>
-            </a:r>
-            <a:r>
-              <a:rPr lang="en-US" dirty="0">
-                <a:hlinkClick r:id="rId5"/>
-              </a:rPr>
-              <a:t>Digi-Key</a:t>
-            </a:r>
-            <a:r>
-              <a:rPr lang="en-US" dirty="0"/>
-              <a:t>, or </a:t>
-            </a:r>
-            <a:r>
-              <a:rPr lang="en-US" dirty="0">
-                <a:hlinkClick r:id="rId6"/>
-              </a:rPr>
-              <a:t>Mouser</a:t>
-            </a:r>
-            <a:endParaRPr lang="en-US" dirty="0"/>
-          </a:p>
-          <a:p>
-            <a:r>
-              <a:rPr lang="en-US" dirty="0"/>
-              <a:t>Select no more than two (2) components that are not on approved component spreadsheet</a:t>
-            </a:r>
-          </a:p>
-          <a:p>
-            <a:pPr lvl="1"/>
-            <a:r>
-              <a:rPr lang="en-US" dirty="0"/>
-              <a:t>See Canvas </a:t>
-            </a:r>
-            <a:r>
-              <a:rPr lang="en-US" dirty="0">
-                <a:sym typeface="Wingdings" panose="05000000000000000000" pitchFamily="2" charset="2"/>
-              </a:rPr>
-              <a:t> Files  assignments  ENGI301_project_01_parts_list.xlsx</a:t>
-            </a:r>
-          </a:p>
-          <a:p>
-            <a:pPr lvl="1"/>
-            <a:r>
-              <a:rPr lang="en-US" dirty="0"/>
-              <a:t>If there is a cheaper part that you would like to use, we can discuss in </a:t>
-            </a:r>
-            <a:r>
-              <a:rPr lang="en-US"/>
-              <a:t>the project meeting</a:t>
-            </a:r>
-            <a:endParaRPr lang="en-US" dirty="0"/>
-          </a:p>
-          <a:p>
-            <a:r>
-              <a:rPr lang="en-US" dirty="0"/>
-              <a:t>All components needed for the project should be listed on Slide 5</a:t>
-            </a:r>
-          </a:p>
-          <a:p>
-            <a:r>
-              <a:rPr lang="en-US" dirty="0"/>
-              <a:t>All components should have links to the website where they can be purchased</a:t>
-            </a:r>
-          </a:p>
-          <a:p>
-            <a:pPr lvl="1"/>
-            <a:r>
-              <a:rPr lang="en-US" dirty="0"/>
-              <a:t>Please trim URLs for links to Amazon</a:t>
-            </a:r>
-          </a:p>
-          <a:p>
-            <a:r>
-              <a:rPr lang="en-US" dirty="0"/>
-              <a:t>ENGI301 will supplement $25 to $35 dollars for components</a:t>
-            </a:r>
-          </a:p>
-          <a:p>
-            <a:pPr lvl="1"/>
-            <a:r>
-              <a:rPr lang="en-US" dirty="0"/>
-              <a:t>Please indicate what components need to be purchased by ENGI301</a:t>
-            </a:r>
-          </a:p>
-          <a:p>
-            <a:endParaRPr lang="en-US" dirty="0"/>
-          </a:p>
-        </p:txBody>
-      </p:sp>
-      <p:sp>
-        <p:nvSpPr>
-          <p:cNvPr id="4" name="TextBox 3">
-            <a:extLst>
-              <a:ext uri="{FF2B5EF4-FFF2-40B4-BE49-F238E27FC236}">
-                <a16:creationId xmlns:a16="http://schemas.microsoft.com/office/drawing/2014/main" id="{C59BE50F-C22E-20BE-3553-2BC61AE40EA1}"/>
-              </a:ext>
-            </a:extLst>
-          </p:cNvPr>
-          <p:cNvSpPr txBox="1"/>
-          <p:nvPr/>
-        </p:nvSpPr>
-        <p:spPr>
-          <a:xfrm>
-            <a:off x="2590800" y="6286500"/>
-            <a:ext cx="7083991" cy="369332"/>
-          </a:xfrm>
-          <a:prstGeom prst="rect">
-            <a:avLst/>
-          </a:prstGeom>
-          <a:noFill/>
-        </p:spPr>
-        <p:txBody>
-          <a:bodyPr wrap="none" rtlCol="0">
-            <a:spAutoFit/>
-          </a:bodyPr>
-          <a:lstStyle/>
-          <a:p>
-            <a:r>
-              <a:rPr lang="en-US" dirty="0"/>
-              <a:t>If you have a special request, we can discuss in the project meeting</a:t>
-            </a:r>
-          </a:p>
-        </p:txBody>
-      </p:sp>
-    </p:spTree>
-    <p:extLst>
-      <p:ext uri="{BB962C8B-B14F-4D97-AF65-F5344CB8AC3E}">
-        <p14:creationId xmlns:p14="http://schemas.microsoft.com/office/powerpoint/2010/main" val="1804182289"/>
       </p:ext>
     </p:extLst>
   </p:cSld>

--- a/project_01/Docs/ENGI301_project_01_proposal.pptx
+++ b/project_01/Docs/ENGI301_project_01_proposal.pptx
@@ -219,7 +219,7 @@
           <a:p>
             <a:fld id="{59041DB8-B66F-4DC8-A96E-33677E0F90FF}" type="datetimeFigureOut">
               <a:rPr lang="en-US" smtClean="0"/>
-              <a:t>3/3/2024</a:t>
+              <a:t>3/10/2024</a:t>
             </a:fld>
             <a:endParaRPr lang="en-US"/>
           </a:p>
@@ -384,7 +384,7 @@
           <a:p>
             <a:fld id="{DEB49C4A-65AC-492D-9701-81B46C3AD0E4}" type="datetimeFigureOut">
               <a:rPr lang="en-US" smtClean="0"/>
-              <a:t>3/3/2024</a:t>
+              <a:t>3/10/2024</a:t>
             </a:fld>
             <a:endParaRPr lang="en-US"/>
           </a:p>
@@ -2879,7 +2879,7 @@
           <a:p>
             <a:fld id="{384A29A4-78C8-47AB-BA06-22CB45938951}" type="datetime1">
               <a:rPr lang="en-US" smtClean="0"/>
-              <a:t>3/3/2024</a:t>
+              <a:t>3/10/2024</a:t>
             </a:fld>
             <a:endParaRPr lang="en-US"/>
           </a:p>
@@ -3074,7 +3074,7 @@
           <a:p>
             <a:fld id="{E1ED4ACF-2D82-46F2-A8E9-23963AA34E86}" type="datetime1">
               <a:rPr lang="en-US" smtClean="0"/>
-              <a:t>3/3/2024</a:t>
+              <a:t>3/10/2024</a:t>
             </a:fld>
             <a:endParaRPr lang="en-US"/>
           </a:p>
@@ -3268,7 +3268,7 @@
           <a:p>
             <a:fld id="{AE374B5B-21A0-4192-BF4C-38187F1A68D8}" type="datetime1">
               <a:rPr lang="en-US" smtClean="0"/>
-              <a:t>3/3/2024</a:t>
+              <a:t>3/10/2024</a:t>
             </a:fld>
             <a:endParaRPr lang="en-US"/>
           </a:p>
@@ -5609,7 +5609,7 @@
           <a:p>
             <a:fld id="{33B5CF7C-B333-48E1-A4A6-83A3C8B73AC0}" type="datetime1">
               <a:rPr lang="en-US" smtClean="0"/>
-              <a:t>3/3/2024</a:t>
+              <a:t>3/10/2024</a:t>
             </a:fld>
             <a:endParaRPr lang="en-US"/>
           </a:p>
@@ -6062,7 +6062,7 @@
           <a:p>
             <a:fld id="{AE320762-5CBF-4210-AB54-376B091119F8}" type="datetime1">
               <a:rPr lang="en-US" smtClean="0"/>
-              <a:t>3/3/2024</a:t>
+              <a:t>3/10/2024</a:t>
             </a:fld>
             <a:endParaRPr lang="en-US"/>
           </a:p>
@@ -6194,7 +6194,7 @@
           <a:p>
             <a:fld id="{7F0DB371-BF5F-4058-A212-1A908E4D2674}" type="datetime1">
               <a:rPr lang="en-US" smtClean="0"/>
-              <a:t>3/3/2024</a:t>
+              <a:t>3/10/2024</a:t>
             </a:fld>
             <a:endParaRPr lang="en-US"/>
           </a:p>
@@ -8127,7 +8127,7 @@
           <a:p>
             <a:fld id="{60A4083B-90AA-48CF-BAD5-00AA24D7F288}" type="datetime1">
               <a:rPr lang="en-US" smtClean="0"/>
-              <a:t>3/3/2024</a:t>
+              <a:t>3/10/2024</a:t>
             </a:fld>
             <a:endParaRPr lang="en-US"/>
           </a:p>
@@ -10386,7 +10386,7 @@
             <a:fld id="{F5BAF629-ECA2-4CF3-B790-9D9BDED98269}" type="datetime1">
               <a:rPr lang="en-US" smtClean="0"/>
               <a:pPr/>
-              <a:t>3/3/2024</a:t>
+              <a:t>3/10/2024</a:t>
             </a:fld>
             <a:endParaRPr lang="en-US"/>
           </a:p>
@@ -14681,7 +14681,7 @@
             <a:fld id="{B51B2453-8663-4C69-AF73-9FD7B1DEC5D0}" type="datetime1">
               <a:rPr lang="en-US" smtClean="0"/>
               <a:pPr/>
-              <a:t>3/3/2024</a:t>
+              <a:t>3/10/2024</a:t>
             </a:fld>
             <a:endParaRPr lang="en-US" dirty="0"/>
           </a:p>
@@ -15485,10 +15485,10 @@
       </p:grpSpPr>
       <p:pic>
         <p:nvPicPr>
-          <p:cNvPr id="5" name="Picture 4" descr="A diagram of a diagram&#10;&#10;Description automatically generated">
+          <p:cNvPr id="6" name="Picture 5" descr="A diagram of a wiring diagram&#10;&#10;Description automatically generated">
             <a:extLst>
               <a:ext uri="{FF2B5EF4-FFF2-40B4-BE49-F238E27FC236}">
-                <a16:creationId xmlns:a16="http://schemas.microsoft.com/office/drawing/2014/main" id="{865058A8-CC8C-30D1-3B93-E07AECF74247}"/>
+                <a16:creationId xmlns:a16="http://schemas.microsoft.com/office/drawing/2014/main" id="{09167190-FEF4-4E15-0E66-D48D64D0B479}"/>
               </a:ext>
             </a:extLst>
           </p:cNvPr>
@@ -15497,15 +15497,16 @@
           </p:cNvPicPr>
           <p:nvPr/>
         </p:nvPicPr>
-        <p:blipFill rotWithShape="1">
+        <p:blipFill>
           <a:blip r:embed="rId2"/>
-          <a:srcRect l="4031" t="10390" r="2865" b="3831"/>
-          <a:stretch/>
+          <a:stretch>
+            <a:fillRect/>
+          </a:stretch>
         </p:blipFill>
         <p:spPr>
           <a:xfrm>
-            <a:off x="1295400" y="723900"/>
-            <a:ext cx="9220201" cy="5233501"/>
+            <a:off x="1046691" y="574708"/>
+            <a:ext cx="9468909" cy="5287188"/>
           </a:xfrm>
           <a:prstGeom prst="rect">
             <a:avLst/>
@@ -15625,10 +15626,10 @@
       </p:grpSpPr>
       <p:pic>
         <p:nvPicPr>
-          <p:cNvPr id="4" name="Picture 3" descr="A diagram of a device&#10;&#10;Description automatically generated">
+          <p:cNvPr id="5" name="Picture 4" descr="A computer screen shot of a computer&#10;&#10;Description automatically generated">
             <a:extLst>
               <a:ext uri="{FF2B5EF4-FFF2-40B4-BE49-F238E27FC236}">
-                <a16:creationId xmlns:a16="http://schemas.microsoft.com/office/drawing/2014/main" id="{05A4BBF8-A6FD-7BAB-5D45-88572DFD6CEC}"/>
+                <a16:creationId xmlns:a16="http://schemas.microsoft.com/office/drawing/2014/main" id="{8E013307-C7DA-C824-00E3-F48A01CAF30F}"/>
               </a:ext>
             </a:extLst>
           </p:cNvPr>
@@ -15637,15 +15638,16 @@
           </p:cNvPicPr>
           <p:nvPr/>
         </p:nvPicPr>
-        <p:blipFill rotWithShape="1">
+        <p:blipFill>
           <a:blip r:embed="rId2"/>
-          <a:srcRect l="2765" t="12165" b="3672"/>
-          <a:stretch/>
+          <a:stretch>
+            <a:fillRect/>
+          </a:stretch>
         </p:blipFill>
         <p:spPr>
           <a:xfrm>
-            <a:off x="2324100" y="1148367"/>
-            <a:ext cx="7105918" cy="4886503"/>
+            <a:off x="1905000" y="495300"/>
+            <a:ext cx="8090867" cy="5603540"/>
           </a:xfrm>
           <a:prstGeom prst="rect">
             <a:avLst/>
@@ -15790,10 +15792,10 @@
       </p:sp>
       <p:pic>
         <p:nvPicPr>
-          <p:cNvPr id="5" name="Picture 4" descr="A diagram of a company&#10;&#10;Description automatically generated">
+          <p:cNvPr id="4" name="Picture 3" descr="A diagram of a company&#10;&#10;Description automatically generated">
             <a:extLst>
               <a:ext uri="{FF2B5EF4-FFF2-40B4-BE49-F238E27FC236}">
-                <a16:creationId xmlns:a16="http://schemas.microsoft.com/office/drawing/2014/main" id="{D411C7EC-534A-EB9C-7E80-00D921F4E68A}"/>
+                <a16:creationId xmlns:a16="http://schemas.microsoft.com/office/drawing/2014/main" id="{E1DA278A-0210-53CE-9348-F10D66C133B8}"/>
               </a:ext>
             </a:extLst>
           </p:cNvPr>
@@ -15802,24 +15804,20 @@
           </p:cNvPicPr>
           <p:nvPr/>
         </p:nvPicPr>
-        <p:blipFill rotWithShape="1">
+        <p:blipFill>
           <a:blip r:embed="rId2"/>
-          <a:srcRect l="1594" t="6897" r="1476" b="3449"/>
-          <a:stretch/>
+          <a:stretch>
+            <a:fillRect/>
+          </a:stretch>
         </p:blipFill>
         <p:spPr>
           <a:xfrm>
-            <a:off x="120163" y="1485900"/>
-            <a:ext cx="12027876" cy="4114800"/>
+            <a:off x="214415" y="1564124"/>
+            <a:ext cx="11863285" cy="4274873"/>
           </a:xfrm>
           <a:prstGeom prst="rect">
             <a:avLst/>
           </a:prstGeom>
-          <a:ln>
-            <a:solidFill>
-              <a:schemeClr val="tx1"/>
-            </a:solidFill>
-          </a:ln>
         </p:spPr>
       </p:pic>
     </p:spTree>
